--- a/NPCI API hackathon.pptx
+++ b/NPCI API hackathon.pptx
@@ -113,7 +113,7 @@
   </p:defaultTextStyle>
   <p:extLst>
     <p:ext uri="{EFAFB233-063F-42B5-8137-9DF3F51BA10A}">
-      <p15:sldGuideLst xmlns:p15="http://schemas.microsoft.com/office/powerpoint/2012/main" xmlns=""/>
+      <p15:sldGuideLst xmlns="" xmlns:p15="http://schemas.microsoft.com/office/powerpoint/2012/main"/>
     </p:ext>
   </p:extLst>
 </p:presentation>
@@ -5077,43 +5077,7 @@
                 <a:latin typeface="Times New Roman" panose="02020603050405020304" pitchFamily="18" charset="0"/>
                 <a:cs typeface="Times New Roman" panose="02020603050405020304" pitchFamily="18" charset="0"/>
               </a:rPr>
-              <a:t>N</a:t>
-            </a:r>
-            <a:r>
-              <a:rPr lang="en-US" sz="5400" dirty="0" smtClean="0">
-                <a:solidFill>
-                  <a:schemeClr val="accent2">
-                    <a:lumMod val="50000"/>
-                  </a:schemeClr>
-                </a:solidFill>
-                <a:latin typeface="Times New Roman" panose="02020603050405020304" pitchFamily="18" charset="0"/>
-                <a:cs typeface="Times New Roman" panose="02020603050405020304" pitchFamily="18" charset="0"/>
-              </a:rPr>
-              <a:t>PCI  </a:t>
-            </a:r>
-            <a:r>
-              <a:rPr lang="en-US" sz="5400" dirty="0" smtClean="0">
-                <a:solidFill>
-                  <a:schemeClr val="accent2">
-                    <a:lumMod val="50000"/>
-                  </a:schemeClr>
-                </a:solidFill>
-                <a:latin typeface="Times New Roman" panose="02020603050405020304" pitchFamily="18" charset="0"/>
-                <a:cs typeface="Times New Roman" panose="02020603050405020304" pitchFamily="18" charset="0"/>
-              </a:rPr>
-              <a:t>API  Accelerator </a:t>
-            </a:r>
-            <a:r>
-              <a:rPr lang="en-US" sz="5400" dirty="0" smtClean="0">
-                <a:solidFill>
-                  <a:schemeClr val="accent2">
-                    <a:lumMod val="50000"/>
-                  </a:schemeClr>
-                </a:solidFill>
-                <a:latin typeface="Times New Roman" panose="02020603050405020304" pitchFamily="18" charset="0"/>
-                <a:cs typeface="Times New Roman" panose="02020603050405020304" pitchFamily="18" charset="0"/>
-              </a:rPr>
-              <a:t>Hackathon</a:t>
+              <a:t>NPCI  API  Accelerator Hackathon</a:t>
             </a:r>
             <a:endParaRPr lang="en-US" sz="5400" b="1" dirty="0">
               <a:solidFill>
@@ -5195,17 +5159,7 @@
                   </a:schemeClr>
                 </a:solidFill>
               </a:rPr>
-              <a:t>Team</a:t>
-            </a:r>
-            <a:r>
-              <a:rPr lang="en-US" sz="2800" b="0" dirty="0" smtClean="0">
-                <a:solidFill>
-                  <a:schemeClr val="accent3">
-                    <a:lumMod val="75000"/>
-                  </a:schemeClr>
-                </a:solidFill>
-              </a:rPr>
-              <a:t>:</a:t>
+              <a:t>Team:</a:t>
             </a:r>
             <a:r>
               <a:rPr lang="en-US" sz="3600" b="0" dirty="0" smtClean="0">
@@ -5253,25 +5207,8 @@
                   </a:schemeClr>
                 </a:solidFill>
               </a:rPr>
-              <a:t>Team Members</a:t>
-            </a:r>
-            <a:r>
-              <a:rPr lang="en-US" sz="2800" b="0" dirty="0" smtClean="0">
-                <a:solidFill>
-                  <a:schemeClr val="accent3">
-                    <a:lumMod val="75000"/>
-                  </a:schemeClr>
-                </a:solidFill>
-              </a:rPr>
-              <a:t>:</a:t>
-            </a:r>
-            <a:endParaRPr lang="en-US" sz="2800" b="0" dirty="0" smtClean="0">
-              <a:solidFill>
-                <a:schemeClr val="accent3">
-                  <a:lumMod val="75000"/>
-                </a:schemeClr>
-              </a:solidFill>
-            </a:endParaRPr>
+              <a:t>Team Members:</a:t>
+            </a:r>
           </a:p>
           <a:p>
             <a:pPr>
@@ -5336,25 +5273,7 @@
                   </a:schemeClr>
                 </a:solidFill>
               </a:rPr>
-              <a:t>(</a:t>
-            </a:r>
-            <a:r>
-              <a:rPr lang="en-US" sz="2400" dirty="0" smtClean="0">
-                <a:solidFill>
-                  <a:srgbClr val="C00000"/>
-                </a:solidFill>
-              </a:rPr>
-              <a:t>sid3345@gmail.com</a:t>
-            </a:r>
-            <a:r>
-              <a:rPr lang="en-US" sz="2400" dirty="0" smtClean="0">
-                <a:solidFill>
-                  <a:schemeClr val="accent3">
-                    <a:lumMod val="75000"/>
-                  </a:schemeClr>
-                </a:solidFill>
-              </a:rPr>
-              <a:t>)</a:t>
+              <a:t>(sid3345@gmail.com)</a:t>
             </a:r>
             <a:endParaRPr lang="en-US" sz="3300" dirty="0" smtClean="0">
               <a:solidFill>
@@ -5377,7 +5296,7 @@
                   </a:schemeClr>
                 </a:solidFill>
               </a:rPr>
-              <a:t>Prashant</a:t>
+              <a:t>Prashanth</a:t>
             </a:r>
             <a:r>
               <a:rPr lang="en-GB" sz="3300" dirty="0" smtClean="0">
@@ -5387,9 +5306,29 @@
                   </a:schemeClr>
                 </a:solidFill>
               </a:rPr>
-              <a:t> Reddy</a:t>
-            </a:r>
-            <a:endParaRPr lang="en-US" sz="3300" dirty="0" smtClean="0">
+              <a:t> Reddy </a:t>
+            </a:r>
+            <a:r>
+              <a:rPr lang="en-GB" sz="2100" dirty="0" smtClean="0">
+                <a:solidFill>
+                  <a:schemeClr val="accent3">
+                    <a:lumMod val="75000"/>
+                  </a:schemeClr>
+                </a:solidFill>
+              </a:rPr>
+              <a:t>(</a:t>
+            </a:r>
+            <a:r>
+              <a:rPr lang="en-GB" sz="2100" dirty="0" smtClean="0">
+                <a:solidFill>
+                  <a:schemeClr val="accent3">
+                    <a:lumMod val="75000"/>
+                  </a:schemeClr>
+                </a:solidFill>
+              </a:rPr>
+              <a:t>mprashanth059@gmail.com)</a:t>
+            </a:r>
+            <a:endParaRPr lang="en-US" sz="2100" dirty="0" smtClean="0">
               <a:solidFill>
                 <a:schemeClr val="accent3">
                   <a:lumMod val="75000"/>
@@ -5402,7 +5341,7 @@
     </p:spTree>
     <p:extLst>
       <p:ext uri="{BB962C8B-B14F-4D97-AF65-F5344CB8AC3E}">
-        <p14:creationId xmlns:p14="http://schemas.microsoft.com/office/powerpoint/2010/main" xmlns="" val="1604074675"/>
+        <p14:creationId xmlns="" xmlns:p14="http://schemas.microsoft.com/office/powerpoint/2010/main" val="1604074675"/>
       </p:ext>
     </p:extLst>
   </p:cSld>
@@ -5500,28 +5439,16 @@
           <a:p>
             <a:r>
               <a:rPr lang="en-GB" sz="2800" dirty="0" smtClean="0"/>
-              <a:t>Inflexible</a:t>
-            </a:r>
+              <a:t>Inflexible, Outdated Systems.</a:t>
+            </a:r>
+          </a:p>
+          <a:p>
+            <a:endParaRPr lang="en-GB" sz="2800" dirty="0" smtClean="0"/>
+          </a:p>
+          <a:p>
             <a:r>
               <a:rPr lang="en-GB" sz="2800" dirty="0" smtClean="0"/>
-              <a:t>, Outdated </a:t>
-            </a:r>
-            <a:r>
-              <a:rPr lang="en-GB" sz="2800" dirty="0" smtClean="0"/>
-              <a:t>Systems.</a:t>
-            </a:r>
-          </a:p>
-          <a:p>
-            <a:endParaRPr lang="en-GB" sz="2800" dirty="0" smtClean="0"/>
-          </a:p>
-          <a:p>
-            <a:r>
-              <a:rPr lang="en-GB" sz="2800" dirty="0" smtClean="0"/>
-              <a:t>Fragmented and Insufficient Information</a:t>
-            </a:r>
-            <a:r>
-              <a:rPr lang="en-GB" sz="2800" dirty="0" smtClean="0"/>
-              <a:t>.</a:t>
+              <a:t>Fragmented and Insufficient Information.</a:t>
             </a:r>
           </a:p>
           <a:p>
@@ -5532,23 +5459,14 @@
               <a:rPr lang="en-GB" sz="2800" dirty="0" smtClean="0"/>
               <a:t>Lack of integrated and intelligent system, to gather insights.</a:t>
             </a:r>
+          </a:p>
+          <a:p>
             <a:endParaRPr lang="en-GB" sz="2800" dirty="0" smtClean="0"/>
           </a:p>
           <a:p>
-            <a:endParaRPr lang="en-GB" sz="2800" dirty="0" smtClean="0"/>
-          </a:p>
-          <a:p>
             <a:r>
               <a:rPr lang="en-GB" sz="2800" dirty="0" smtClean="0"/>
-              <a:t>Lack </a:t>
-            </a:r>
-            <a:r>
-              <a:rPr lang="en-GB" sz="2800" dirty="0" smtClean="0"/>
-              <a:t>of </a:t>
-            </a:r>
-            <a:r>
-              <a:rPr lang="en-GB" sz="2800" dirty="0" smtClean="0"/>
-              <a:t>Analytics.</a:t>
+              <a:t>Lack of Analytics.</a:t>
             </a:r>
           </a:p>
           <a:p>
@@ -5690,11 +5608,7 @@
             </a:r>
             <a:r>
               <a:rPr lang="en-US" dirty="0" smtClean="0"/>
-              <a:t>: </a:t>
-            </a:r>
-            <a:r>
-              <a:rPr lang="en-US" dirty="0" smtClean="0"/>
-              <a:t>Live complaints through </a:t>
+              <a:t>: Live complaints through </a:t>
             </a:r>
             <a:r>
               <a:rPr lang="en-US" b="1" dirty="0" smtClean="0"/>
@@ -5711,11 +5625,7 @@
             </a:pPr>
             <a:r>
               <a:rPr lang="en-US" dirty="0" smtClean="0"/>
-              <a:t>	</a:t>
-            </a:r>
-            <a:r>
-              <a:rPr lang="en-US" dirty="0" smtClean="0"/>
-              <a:t>or dynamic </a:t>
+              <a:t>	or dynamic </a:t>
             </a:r>
             <a:r>
               <a:rPr lang="en-US" b="1" dirty="0" smtClean="0"/>
@@ -5732,11 +5642,7 @@
             </a:pPr>
             <a:r>
               <a:rPr lang="en-US" sz="2000" dirty="0" smtClean="0"/>
-              <a:t>	</a:t>
-            </a:r>
-            <a:r>
-              <a:rPr lang="en-US" sz="2000" dirty="0" smtClean="0"/>
-              <a:t>(currently fabricated data used for prototype)</a:t>
+              <a:t>	(currently fabricated data used for prototype)</a:t>
             </a:r>
           </a:p>
           <a:p>
@@ -5761,11 +5667,7 @@
             </a:pPr>
             <a:r>
               <a:rPr lang="en-GB" b="1" dirty="0" smtClean="0"/>
-              <a:t>	</a:t>
-            </a:r>
-            <a:r>
-              <a:rPr lang="en-GB" b="1" dirty="0" smtClean="0"/>
-              <a:t>semantics</a:t>
+              <a:t>	semantics</a:t>
             </a:r>
             <a:r>
               <a:rPr lang="en-GB" dirty="0" smtClean="0"/>
@@ -5778,11 +5680,7 @@
             </a:pPr>
             <a:r>
               <a:rPr lang="en-GB" dirty="0" smtClean="0"/>
-              <a:t>	</a:t>
-            </a:r>
-            <a:r>
-              <a:rPr lang="en-GB" dirty="0" smtClean="0"/>
-              <a:t>and analyse its topic.</a:t>
+              <a:t>	and analyse its topic.</a:t>
             </a:r>
             <a:endParaRPr lang="en-US" dirty="0" smtClean="0"/>
           </a:p>
@@ -5832,11 +5730,7 @@
             </a:pPr>
             <a:r>
               <a:rPr lang="en-GB" dirty="0" smtClean="0"/>
-              <a:t>	</a:t>
-            </a:r>
-            <a:r>
-              <a:rPr lang="en-GB" dirty="0" smtClean="0"/>
-              <a:t>to </a:t>
+              <a:t>	to </a:t>
             </a:r>
             <a:r>
               <a:rPr lang="en-GB" b="1" dirty="0" smtClean="0"/>
@@ -5969,7 +5863,7 @@
     </p:spTree>
     <p:extLst>
       <p:ext uri="{BB962C8B-B14F-4D97-AF65-F5344CB8AC3E}">
-        <p14:creationId xmlns:p14="http://schemas.microsoft.com/office/powerpoint/2010/main" xmlns="" val="1373948321"/>
+        <p14:creationId xmlns="" xmlns:p14="http://schemas.microsoft.com/office/powerpoint/2010/main" val="1373948321"/>
       </p:ext>
     </p:extLst>
   </p:cSld>
@@ -6043,7 +5937,6 @@
               <a:rPr lang="en-GB" dirty="0" smtClean="0"/>
               <a:t> </a:t>
             </a:r>
-            <a:endParaRPr lang="en-GB" dirty="0" smtClean="0"/>
           </a:p>
           <a:p>
             <a:pPr>
@@ -6051,13 +5944,8 @@
             </a:pPr>
             <a:r>
               <a:rPr lang="en-GB" dirty="0" smtClean="0"/>
-              <a:t>	in </a:t>
-            </a:r>
-            <a:r>
-              <a:rPr lang="en-GB" dirty="0" smtClean="0"/>
-              <a:t>complaints of a particular bank, </a:t>
-            </a:r>
-            <a:endParaRPr lang="en-GB" dirty="0" smtClean="0"/>
+              <a:t>	in complaints of a particular bank, </a:t>
+            </a:r>
           </a:p>
           <a:p>
             <a:pPr>
@@ -6065,11 +5953,7 @@
             </a:pPr>
             <a:r>
               <a:rPr lang="en-GB" dirty="0" smtClean="0"/>
-              <a:t>	</a:t>
-            </a:r>
-            <a:r>
-              <a:rPr lang="en-GB" dirty="0" smtClean="0"/>
-              <a:t>using </a:t>
+              <a:t>	using </a:t>
             </a:r>
             <a:r>
               <a:rPr lang="en-GB" b="1" dirty="0" smtClean="0"/>
@@ -6079,7 +5963,6 @@
               <a:rPr lang="en-GB" dirty="0" smtClean="0"/>
               <a:t> </a:t>
             </a:r>
-            <a:endParaRPr lang="en-GB" dirty="0" smtClean="0"/>
           </a:p>
           <a:p>
             <a:pPr>
@@ -6087,11 +5970,7 @@
             </a:pPr>
             <a:r>
               <a:rPr lang="en-GB" dirty="0" smtClean="0"/>
-              <a:t>	</a:t>
-            </a:r>
-            <a:r>
-              <a:rPr lang="en-GB" dirty="0" smtClean="0"/>
-              <a:t>and </a:t>
+              <a:t>	and </a:t>
             </a:r>
             <a:r>
               <a:rPr lang="en-GB" b="1" dirty="0" smtClean="0"/>
@@ -6111,11 +5990,7 @@
           <a:p>
             <a:r>
               <a:rPr lang="en-GB" b="1" dirty="0" smtClean="0"/>
-              <a:t>Topic </a:t>
-            </a:r>
-            <a:r>
-              <a:rPr lang="en-GB" b="1" dirty="0" smtClean="0"/>
-              <a:t>modelling</a:t>
+              <a:t>Topic modelling</a:t>
             </a:r>
             <a:r>
               <a:rPr lang="en-GB" dirty="0" smtClean="0"/>
@@ -6145,11 +6020,7 @@
           <a:p>
             <a:r>
               <a:rPr lang="en-GB" b="1" dirty="0" smtClean="0"/>
-              <a:t>Pie </a:t>
-            </a:r>
-            <a:r>
-              <a:rPr lang="en-GB" b="1" dirty="0" smtClean="0"/>
-              <a:t>charts </a:t>
+              <a:t>Pie charts </a:t>
             </a:r>
             <a:r>
               <a:rPr lang="en-GB" dirty="0" smtClean="0"/>
@@ -6345,11 +6216,7 @@
             </a:r>
             <a:r>
               <a:rPr lang="en-GB" dirty="0" smtClean="0"/>
-              <a:t>visualisation for analysing hourly, daily and monthly number of complaints</a:t>
-            </a:r>
-            <a:r>
-              <a:rPr lang="en-GB" dirty="0" smtClean="0"/>
-              <a:t>.</a:t>
+              <a:t>visualisation for analysing hourly, daily and monthly number of complaints.</a:t>
             </a:r>
           </a:p>
           <a:p>
@@ -6373,11 +6240,7 @@
             </a:r>
             <a:r>
               <a:rPr lang="en-GB" b="1" dirty="0" smtClean="0"/>
-              <a:t> </a:t>
-            </a:r>
-            <a:r>
-              <a:rPr lang="en-GB" b="1" dirty="0" smtClean="0"/>
-              <a:t>complaints</a:t>
+              <a:t> complaints</a:t>
             </a:r>
             <a:r>
               <a:rPr lang="en-GB" dirty="0" smtClean="0"/>
@@ -6393,11 +6256,7 @@
           <a:p>
             <a:r>
               <a:rPr lang="en-GB" b="1" dirty="0" smtClean="0"/>
-              <a:t>Bar </a:t>
-            </a:r>
-            <a:r>
-              <a:rPr lang="en-GB" b="1" dirty="0" smtClean="0"/>
-              <a:t>plot</a:t>
+              <a:t>Bar plot</a:t>
             </a:r>
             <a:r>
               <a:rPr lang="en-GB" dirty="0" smtClean="0"/>
@@ -6411,7 +6270,6 @@
               <a:rPr lang="en-GB" dirty="0" smtClean="0"/>
               <a:t> wise </a:t>
             </a:r>
-            <a:endParaRPr lang="en-GB" dirty="0" smtClean="0"/>
           </a:p>
           <a:p>
             <a:pPr>
@@ -6419,15 +6277,7 @@
             </a:pPr>
             <a:r>
               <a:rPr lang="en-GB" dirty="0" smtClean="0"/>
-              <a:t>	</a:t>
-            </a:r>
-            <a:r>
-              <a:rPr lang="en-GB" dirty="0" smtClean="0"/>
-              <a:t>count </a:t>
-            </a:r>
-            <a:r>
-              <a:rPr lang="en-GB" dirty="0" smtClean="0"/>
-              <a:t>of complaints.</a:t>
+              <a:t>	count of complaints.</a:t>
             </a:r>
           </a:p>
           <a:p>
@@ -6443,11 +6293,7 @@
             </a:r>
             <a:r>
               <a:rPr lang="en-GB" dirty="0" smtClean="0"/>
-              <a:t> </a:t>
-            </a:r>
-            <a:r>
-              <a:rPr lang="en-GB" dirty="0" smtClean="0"/>
-              <a:t>wise </a:t>
+              <a:t> wise </a:t>
             </a:r>
             <a:r>
               <a:rPr lang="en-GB" b="1" dirty="0" smtClean="0"/>
@@ -6457,7 +6303,6 @@
               <a:rPr lang="en-GB" dirty="0" smtClean="0"/>
               <a:t> complaint </a:t>
             </a:r>
-            <a:endParaRPr lang="en-GB" dirty="0" smtClean="0"/>
           </a:p>
           <a:p>
             <a:pPr>
@@ -6465,15 +6310,7 @@
             </a:pPr>
             <a:r>
               <a:rPr lang="en-GB" dirty="0" smtClean="0"/>
-              <a:t>	</a:t>
-            </a:r>
-            <a:r>
-              <a:rPr lang="en-GB" dirty="0" smtClean="0"/>
-              <a:t>count </a:t>
-            </a:r>
-            <a:r>
-              <a:rPr lang="en-GB" dirty="0" smtClean="0"/>
-              <a:t>bubble.</a:t>
+              <a:t>	count bubble.</a:t>
             </a:r>
             <a:endParaRPr lang="en-US" dirty="0" smtClean="0"/>
           </a:p>
@@ -6785,11 +6622,7 @@
           <a:p>
             <a:r>
               <a:rPr lang="en-GB" sz="2000" b="1" dirty="0" smtClean="0"/>
-              <a:t>C</a:t>
-            </a:r>
-            <a:r>
-              <a:rPr lang="en-GB" sz="2000" b="1" dirty="0" smtClean="0"/>
-              <a:t>ustomizable</a:t>
+              <a:t>Customizable</a:t>
             </a:r>
             <a:r>
               <a:rPr lang="en-GB" sz="2000" dirty="0" smtClean="0"/>
@@ -6820,14 +6653,13 @@
               <a:rPr lang="en-GB" sz="2000" dirty="0" smtClean="0"/>
               <a:t> platforms.</a:t>
             </a:r>
-            <a:endParaRPr lang="en-GB" sz="2000" dirty="0" smtClean="0"/>
           </a:p>
         </p:txBody>
       </p:sp>
     </p:spTree>
     <p:extLst>
       <p:ext uri="{BB962C8B-B14F-4D97-AF65-F5344CB8AC3E}">
-        <p14:creationId xmlns:p14="http://schemas.microsoft.com/office/powerpoint/2010/main" xmlns="" val="2373090507"/>
+        <p14:creationId xmlns="" xmlns:p14="http://schemas.microsoft.com/office/powerpoint/2010/main" val="2373090507"/>
       </p:ext>
     </p:extLst>
   </p:cSld>
@@ -6975,15 +6807,7 @@
                   <a:prstClr val="black"/>
                 </a:solidFill>
               </a:rPr>
-              <a:t>(Python </a:t>
-            </a:r>
-            <a:r>
-              <a:rPr lang="en-GB" dirty="0" smtClean="0">
-                <a:solidFill>
-                  <a:prstClr val="black"/>
-                </a:solidFill>
-              </a:rPr>
-              <a:t>library for NLP)</a:t>
+              <a:t>(Python library for NLP)</a:t>
             </a:r>
           </a:p>
           <a:p>
@@ -7017,7 +6841,7 @@
     </p:spTree>
     <p:extLst>
       <p:ext uri="{BB962C8B-B14F-4D97-AF65-F5344CB8AC3E}">
-        <p14:creationId xmlns:p14="http://schemas.microsoft.com/office/powerpoint/2010/main" xmlns="" val="2373090507"/>
+        <p14:creationId xmlns="" xmlns:p14="http://schemas.microsoft.com/office/powerpoint/2010/main" val="2373090507"/>
       </p:ext>
     </p:extLst>
   </p:cSld>
@@ -7209,11 +7033,7 @@
           <a:p>
             <a:r>
               <a:rPr lang="en-US" sz="2800" dirty="0" smtClean="0"/>
-              <a:t>Comparative </a:t>
-            </a:r>
-            <a:r>
-              <a:rPr lang="en-US" sz="2800" dirty="0" smtClean="0"/>
-              <a:t>trends.</a:t>
+              <a:t>Comparative trends.</a:t>
             </a:r>
           </a:p>
           <a:p>
@@ -7242,14 +7062,13 @@
               <a:rPr lang="en-GB" sz="2800" dirty="0" smtClean="0"/>
               <a:t>Complaint resolution efficiency measure.</a:t>
             </a:r>
-            <a:endParaRPr lang="en-GB" sz="2800" dirty="0" smtClean="0"/>
           </a:p>
         </p:txBody>
       </p:sp>
     </p:spTree>
     <p:extLst>
       <p:ext uri="{BB962C8B-B14F-4D97-AF65-F5344CB8AC3E}">
-        <p14:creationId xmlns:p14="http://schemas.microsoft.com/office/powerpoint/2010/main" xmlns="" val="1475648777"/>
+        <p14:creationId xmlns="" xmlns:p14="http://schemas.microsoft.com/office/powerpoint/2010/main" val="1475648777"/>
       </p:ext>
     </p:extLst>
   </p:cSld>

--- a/NPCI API hackathon.pptx
+++ b/NPCI API hackathon.pptx
@@ -11,8 +11,9 @@
     <p:sldId id="273" r:id="rId5"/>
     <p:sldId id="274" r:id="rId6"/>
     <p:sldId id="259" r:id="rId7"/>
-    <p:sldId id="272" r:id="rId8"/>
-    <p:sldId id="265" r:id="rId9"/>
+    <p:sldId id="276" r:id="rId8"/>
+    <p:sldId id="272" r:id="rId9"/>
+    <p:sldId id="265" r:id="rId10"/>
   </p:sldIdLst>
   <p:sldSz cx="12192000" cy="6858000"/>
   <p:notesSz cx="6858000" cy="9144000"/>
@@ -113,7 +114,7 @@
   </p:defaultTextStyle>
   <p:extLst>
     <p:ext uri="{EFAFB233-063F-42B5-8137-9DF3F51BA10A}">
-      <p15:sldGuideLst xmlns="" xmlns:p15="http://schemas.microsoft.com/office/powerpoint/2012/main"/>
+      <p15:sldGuideLst xmlns:p15="http://schemas.microsoft.com/office/powerpoint/2012/main" xmlns=""/>
     </p:ext>
   </p:extLst>
 </p:presentation>
@@ -5316,17 +5317,7 @@
                   </a:schemeClr>
                 </a:solidFill>
               </a:rPr>
-              <a:t>(</a:t>
-            </a:r>
-            <a:r>
-              <a:rPr lang="en-GB" sz="2100" dirty="0" smtClean="0">
-                <a:solidFill>
-                  <a:schemeClr val="accent3">
-                    <a:lumMod val="75000"/>
-                  </a:schemeClr>
-                </a:solidFill>
-              </a:rPr>
-              <a:t>mprashanth059@gmail.com)</a:t>
+              <a:t>(mprashanth059@gmail.com)</a:t>
             </a:r>
             <a:endParaRPr lang="en-US" sz="2100" dirty="0" smtClean="0">
               <a:solidFill>
@@ -5341,7 +5332,7 @@
     </p:spTree>
     <p:extLst>
       <p:ext uri="{BB962C8B-B14F-4D97-AF65-F5344CB8AC3E}">
-        <p14:creationId xmlns="" xmlns:p14="http://schemas.microsoft.com/office/powerpoint/2010/main" val="1604074675"/>
+        <p14:creationId xmlns:p14="http://schemas.microsoft.com/office/powerpoint/2010/main" xmlns="" val="1604074675"/>
       </p:ext>
     </p:extLst>
   </p:cSld>
@@ -5863,7 +5854,7 @@
     </p:spTree>
     <p:extLst>
       <p:ext uri="{BB962C8B-B14F-4D97-AF65-F5344CB8AC3E}">
-        <p14:creationId xmlns="" xmlns:p14="http://schemas.microsoft.com/office/powerpoint/2010/main" val="1373948321"/>
+        <p14:creationId xmlns:p14="http://schemas.microsoft.com/office/powerpoint/2010/main" xmlns="" val="1373948321"/>
       </p:ext>
     </p:extLst>
   </p:cSld>
@@ -6480,7 +6471,7 @@
                   </a:schemeClr>
                 </a:solidFill>
               </a:rPr>
-              <a:t>Advantages</a:t>
+              <a:t>Flow Diagram</a:t>
             </a:r>
             <a:endParaRPr lang="en-US" sz="3600" b="1" dirty="0">
               <a:solidFill>
@@ -6492,174 +6483,34 @@
           </a:p>
         </p:txBody>
       </p:sp>
-      <p:sp>
-        <p:nvSpPr>
-          <p:cNvPr id="3" name="Content Placeholder 2"/>
-          <p:cNvSpPr>
-            <a:spLocks noGrp="1"/>
-          </p:cNvSpPr>
-          <p:nvPr>
-            <p:ph sz="quarter" idx="1"/>
-          </p:nvPr>
-        </p:nvSpPr>
+      <p:pic>
+        <p:nvPicPr>
+          <p:cNvPr id="5" name="Picture 4" descr="flow diagram.jpg"/>
+          <p:cNvPicPr>
+            <a:picLocks noChangeAspect="1"/>
+          </p:cNvPicPr>
+          <p:nvPr/>
+        </p:nvPicPr>
+        <p:blipFill>
+          <a:blip r:embed="rId2" cstate="print"/>
+          <a:stretch>
+            <a:fillRect/>
+          </a:stretch>
+        </p:blipFill>
         <p:spPr>
           <a:xfrm>
-            <a:off x="310896" y="786384"/>
-            <a:ext cx="11603736" cy="5871591"/>
-          </a:xfrm>
-        </p:spPr>
-        <p:txBody>
-          <a:bodyPr>
-            <a:noAutofit/>
-          </a:bodyPr>
-          <a:lstStyle/>
-          <a:p>
-            <a:r>
-              <a:rPr lang="en-GB" sz="2000" dirty="0" smtClean="0"/>
-              <a:t>Live</a:t>
-            </a:r>
-            <a:r>
-              <a:rPr lang="en-GB" sz="2000" b="1" dirty="0" smtClean="0"/>
-              <a:t>, real time, dynamic</a:t>
-            </a:r>
-            <a:r>
-              <a:rPr lang="en-GB" sz="2000" dirty="0" smtClean="0"/>
-              <a:t> dashboard with </a:t>
-            </a:r>
-            <a:r>
-              <a:rPr lang="en-GB" sz="2000" b="1" dirty="0" smtClean="0"/>
-              <a:t>interactive</a:t>
-            </a:r>
-            <a:r>
-              <a:rPr lang="en-GB" sz="2000" dirty="0" smtClean="0"/>
-              <a:t> visualisations.</a:t>
-            </a:r>
-          </a:p>
-          <a:p>
-            <a:endParaRPr lang="en-GB" sz="2000" dirty="0" smtClean="0"/>
-          </a:p>
-          <a:p>
-            <a:r>
-              <a:rPr lang="en-GB" sz="2000" b="1" dirty="0" smtClean="0"/>
-              <a:t>Modifiable</a:t>
-            </a:r>
-            <a:r>
-              <a:rPr lang="en-GB" sz="2000" dirty="0" smtClean="0"/>
-              <a:t> plots according to size, zoom, timeline, scale, points, legend, etc.</a:t>
-            </a:r>
-          </a:p>
-          <a:p>
-            <a:endParaRPr lang="en-GB" sz="2000" dirty="0" smtClean="0"/>
-          </a:p>
-          <a:p>
-            <a:r>
-              <a:rPr lang="en-GB" sz="2000" b="1" dirty="0" smtClean="0"/>
-              <a:t>No</a:t>
-            </a:r>
-            <a:r>
-              <a:rPr lang="en-GB" sz="2000" dirty="0" smtClean="0"/>
-              <a:t> Rest API’s, </a:t>
-            </a:r>
-            <a:r>
-              <a:rPr lang="en-GB" sz="2000" b="1" dirty="0" smtClean="0"/>
-              <a:t>multiple</a:t>
-            </a:r>
-            <a:r>
-              <a:rPr lang="en-GB" sz="2000" dirty="0" smtClean="0"/>
-              <a:t> </a:t>
-            </a:r>
-            <a:r>
-              <a:rPr lang="en-GB" sz="2000" b="1" dirty="0" smtClean="0"/>
-              <a:t>technologies</a:t>
-            </a:r>
-            <a:r>
-              <a:rPr lang="en-GB" sz="2000" dirty="0" smtClean="0"/>
-              <a:t>, complex JS libraries required (not even separate HTML, JS).</a:t>
-            </a:r>
-            <a:endParaRPr lang="en-GB" sz="1600" dirty="0" smtClean="0"/>
-          </a:p>
-          <a:p>
-            <a:endParaRPr lang="en-GB" sz="2000" dirty="0" smtClean="0"/>
-          </a:p>
-          <a:p>
-            <a:r>
-              <a:rPr lang="en-GB" sz="2000" b="1" dirty="0" smtClean="0"/>
-              <a:t>Single</a:t>
-            </a:r>
-            <a:r>
-              <a:rPr lang="en-GB" sz="2000" dirty="0" smtClean="0"/>
-              <a:t> language: </a:t>
-            </a:r>
-            <a:r>
-              <a:rPr lang="en-GB" sz="2000" b="1" dirty="0" smtClean="0"/>
-              <a:t>Python</a:t>
-            </a:r>
-            <a:r>
-              <a:rPr lang="en-GB" sz="2000" dirty="0" smtClean="0"/>
-              <a:t>.</a:t>
-            </a:r>
-          </a:p>
-          <a:p>
-            <a:endParaRPr lang="en-GB" sz="2000" dirty="0" smtClean="0"/>
-          </a:p>
-          <a:p>
-            <a:r>
-              <a:rPr lang="en-GB" sz="2000" b="1" dirty="0" smtClean="0"/>
-              <a:t>Light weight</a:t>
-            </a:r>
-            <a:r>
-              <a:rPr lang="en-GB" sz="2000" dirty="0" smtClean="0"/>
-              <a:t>, not resource intensive, easy debugging.</a:t>
-            </a:r>
-            <a:r>
-              <a:rPr lang="en-GB" sz="2000" b="1" dirty="0" smtClean="0"/>
-              <a:t> </a:t>
-            </a:r>
-          </a:p>
-          <a:p>
-            <a:endParaRPr lang="en-GB" sz="2000" b="1" dirty="0" smtClean="0"/>
-          </a:p>
-          <a:p>
-            <a:r>
-              <a:rPr lang="en-GB" sz="2000" b="1" dirty="0" smtClean="0"/>
-              <a:t>Customizable</a:t>
-            </a:r>
-            <a:r>
-              <a:rPr lang="en-GB" sz="2000" dirty="0" smtClean="0"/>
-              <a:t> according to data points available and business requirements</a:t>
-            </a:r>
-          </a:p>
-          <a:p>
-            <a:endParaRPr lang="en-GB" sz="2000" dirty="0" smtClean="0"/>
-          </a:p>
-          <a:p>
-            <a:r>
-              <a:rPr lang="en-GB" sz="2000" dirty="0" smtClean="0"/>
-              <a:t>Can be easily </a:t>
-            </a:r>
-            <a:r>
-              <a:rPr lang="en-GB" sz="2000" b="1" dirty="0" smtClean="0"/>
-              <a:t>hosted</a:t>
-            </a:r>
-            <a:r>
-              <a:rPr lang="en-GB" sz="2000" dirty="0" smtClean="0"/>
-              <a:t> on </a:t>
-            </a:r>
-            <a:r>
-              <a:rPr lang="en-GB" sz="2000" b="1" dirty="0" smtClean="0"/>
-              <a:t>cloud</a:t>
-            </a:r>
-            <a:r>
-              <a:rPr lang="en-GB" sz="2000" dirty="0" smtClean="0"/>
-              <a:t> platforms.</a:t>
-            </a:r>
-          </a:p>
-        </p:txBody>
-      </p:sp>
+            <a:off x="155448" y="743767"/>
+            <a:ext cx="11564874" cy="5821625"/>
+          </a:xfrm>
+          <a:prstGeom prst="rect">
+            <a:avLst/>
+          </a:prstGeom>
+        </p:spPr>
+      </p:pic>
     </p:spTree>
     <p:extLst>
       <p:ext uri="{BB962C8B-B14F-4D97-AF65-F5344CB8AC3E}">
-        <p14:creationId xmlns="" xmlns:p14="http://schemas.microsoft.com/office/powerpoint/2010/main" val="2373090507"/>
+        <p14:creationId xmlns:p14="http://schemas.microsoft.com/office/powerpoint/2010/main" xmlns="" val="2373090507"/>
       </p:ext>
     </p:extLst>
   </p:cSld>
@@ -6705,7 +6556,7 @@
         </p:nvSpPr>
         <p:spPr>
           <a:xfrm>
-            <a:off x="533400" y="286603"/>
+            <a:off x="323088" y="128016"/>
             <a:ext cx="10128504" cy="591221"/>
           </a:xfrm>
         </p:spPr>
@@ -6723,7 +6574,7 @@
                   </a:schemeClr>
                 </a:solidFill>
               </a:rPr>
-              <a:t>Technology Stack</a:t>
+              <a:t>Advantages</a:t>
             </a:r>
             <a:endParaRPr lang="en-US" sz="3600" b="1" dirty="0">
               <a:solidFill>
@@ -6747,8 +6598,8 @@
         </p:nvSpPr>
         <p:spPr>
           <a:xfrm>
-            <a:off x="310896" y="1076325"/>
-            <a:ext cx="11603736" cy="5581650"/>
+            <a:off x="310896" y="786384"/>
+            <a:ext cx="11603736" cy="5871591"/>
           </a:xfrm>
         </p:spPr>
         <p:txBody>
@@ -6758,90 +6609,151 @@
           <a:lstStyle/>
           <a:p>
             <a:r>
-              <a:rPr lang="en-GB" sz="3000" dirty="0" smtClean="0"/>
+              <a:rPr lang="en-GB" sz="2000" dirty="0" smtClean="0"/>
+              <a:t>Live</a:t>
+            </a:r>
+            <a:r>
+              <a:rPr lang="en-GB" sz="2000" b="1" dirty="0" smtClean="0"/>
+              <a:t>, real time, dynamic</a:t>
+            </a:r>
+            <a:r>
+              <a:rPr lang="en-GB" sz="2000" dirty="0" smtClean="0"/>
+              <a:t> dashboard with </a:t>
+            </a:r>
+            <a:r>
+              <a:rPr lang="en-GB" sz="2000" b="1" dirty="0" smtClean="0"/>
+              <a:t>interactive</a:t>
+            </a:r>
+            <a:r>
+              <a:rPr lang="en-GB" sz="2000" dirty="0" smtClean="0"/>
+              <a:t> visualisations.</a:t>
+            </a:r>
+          </a:p>
+          <a:p>
+            <a:endParaRPr lang="en-GB" sz="2000" dirty="0" smtClean="0"/>
+          </a:p>
+          <a:p>
+            <a:r>
+              <a:rPr lang="en-GB" sz="2000" b="1" dirty="0" smtClean="0"/>
+              <a:t>Modifiable</a:t>
+            </a:r>
+            <a:r>
+              <a:rPr lang="en-GB" sz="2000" dirty="0" smtClean="0"/>
+              <a:t> plots according to size, zoom, timeline, scale, points, legend, etc.</a:t>
+            </a:r>
+          </a:p>
+          <a:p>
+            <a:endParaRPr lang="en-GB" sz="2000" dirty="0" smtClean="0"/>
+          </a:p>
+          <a:p>
+            <a:r>
+              <a:rPr lang="en-GB" sz="2000" b="1" dirty="0" smtClean="0"/>
+              <a:t>No</a:t>
+            </a:r>
+            <a:r>
+              <a:rPr lang="en-GB" sz="2000" dirty="0" smtClean="0"/>
+              <a:t> Rest API’s, </a:t>
+            </a:r>
+            <a:r>
+              <a:rPr lang="en-GB" sz="2000" b="1" dirty="0" smtClean="0"/>
+              <a:t>multiple</a:t>
+            </a:r>
+            <a:r>
+              <a:rPr lang="en-GB" sz="2000" dirty="0" smtClean="0"/>
+              <a:t> </a:t>
+            </a:r>
+            <a:r>
+              <a:rPr lang="en-GB" sz="2000" b="1" dirty="0" smtClean="0"/>
+              <a:t>technologies</a:t>
+            </a:r>
+            <a:r>
+              <a:rPr lang="en-GB" sz="2000" dirty="0" smtClean="0"/>
+              <a:t>, complex JS libraries required (not even separate HTML, JS).</a:t>
+            </a:r>
+            <a:endParaRPr lang="en-GB" sz="1600" dirty="0" smtClean="0"/>
+          </a:p>
+          <a:p>
+            <a:endParaRPr lang="en-GB" sz="2000" dirty="0" smtClean="0"/>
+          </a:p>
+          <a:p>
+            <a:r>
+              <a:rPr lang="en-GB" sz="2000" b="1" dirty="0" smtClean="0"/>
+              <a:t>Single</a:t>
+            </a:r>
+            <a:r>
+              <a:rPr lang="en-GB" sz="2000" dirty="0" smtClean="0"/>
+              <a:t> language: </a:t>
+            </a:r>
+            <a:r>
+              <a:rPr lang="en-GB" sz="2000" b="1" dirty="0" smtClean="0"/>
               <a:t>Python</a:t>
             </a:r>
-          </a:p>
-          <a:p>
-            <a:endParaRPr lang="en-GB" sz="3000" dirty="0" smtClean="0"/>
-          </a:p>
-          <a:p>
-            <a:r>
-              <a:rPr lang="en-GB" sz="3000" dirty="0" smtClean="0"/>
-              <a:t>Dash </a:t>
-            </a:r>
-            <a:r>
-              <a:rPr lang="en-GB" dirty="0" smtClean="0"/>
-              <a:t>(Python library)</a:t>
-            </a:r>
-            <a:endParaRPr lang="en-GB" sz="3000" dirty="0" smtClean="0"/>
-          </a:p>
-          <a:p>
-            <a:endParaRPr lang="en-GB" sz="3000" dirty="0" smtClean="0"/>
-          </a:p>
-          <a:p>
-            <a:r>
-              <a:rPr lang="en-GB" sz="3000" dirty="0" err="1" smtClean="0"/>
-              <a:t>Plotly</a:t>
-            </a:r>
-            <a:r>
-              <a:rPr lang="en-GB" sz="3000" dirty="0" smtClean="0"/>
+            <a:r>
+              <a:rPr lang="en-GB" sz="2000" dirty="0" smtClean="0"/>
+              <a:t>.</a:t>
+            </a:r>
+          </a:p>
+          <a:p>
+            <a:endParaRPr lang="en-GB" sz="2000" dirty="0" smtClean="0"/>
+          </a:p>
+          <a:p>
+            <a:r>
+              <a:rPr lang="en-GB" sz="2000" b="1" dirty="0" smtClean="0"/>
+              <a:t>Light weight</a:t>
+            </a:r>
+            <a:r>
+              <a:rPr lang="en-GB" sz="2000" dirty="0" smtClean="0"/>
+              <a:t>, not resource intensive, easy debugging.</a:t>
+            </a:r>
+            <a:r>
+              <a:rPr lang="en-GB" sz="2000" b="1" dirty="0" smtClean="0"/>
               <a:t> </a:t>
             </a:r>
-            <a:r>
-              <a:rPr lang="en-GB" dirty="0" smtClean="0"/>
-              <a:t>(dynamic visualisations)</a:t>
-            </a:r>
-          </a:p>
-          <a:p>
-            <a:endParaRPr lang="en-GB" sz="3000" dirty="0" smtClean="0"/>
-          </a:p>
-          <a:p>
-            <a:r>
-              <a:rPr lang="en-GB" sz="3000" dirty="0" smtClean="0"/>
-              <a:t>NLTK </a:t>
-            </a:r>
-            <a:r>
-              <a:rPr lang="en-GB" dirty="0" smtClean="0">
-                <a:solidFill>
-                  <a:prstClr val="black"/>
-                </a:solidFill>
-              </a:rPr>
-              <a:t>(Python library for NLP)</a:t>
-            </a:r>
-          </a:p>
-          <a:p>
-            <a:endParaRPr lang="en-GB" sz="3000" dirty="0" smtClean="0">
-              <a:solidFill>
-                <a:prstClr val="black"/>
-              </a:solidFill>
-            </a:endParaRPr>
-          </a:p>
-          <a:p>
-            <a:r>
-              <a:rPr lang="en-GB" sz="3000" dirty="0" smtClean="0">
-                <a:solidFill>
-                  <a:prstClr val="black"/>
-                </a:solidFill>
-              </a:rPr>
-              <a:t>Flask </a:t>
-            </a:r>
-            <a:r>
-              <a:rPr lang="en-GB" dirty="0" smtClean="0">
-                <a:solidFill>
-                  <a:prstClr val="black"/>
-                </a:solidFill>
-              </a:rPr>
-              <a:t>(web deployment)</a:t>
-            </a:r>
-            <a:endParaRPr lang="en-GB" sz="3000" dirty="0" smtClean="0"/>
+          </a:p>
+          <a:p>
+            <a:endParaRPr lang="en-GB" sz="2000" b="1" dirty="0" smtClean="0"/>
+          </a:p>
+          <a:p>
+            <a:r>
+              <a:rPr lang="en-GB" sz="2000" b="1" dirty="0" smtClean="0"/>
+              <a:t>Customizable</a:t>
+            </a:r>
+            <a:r>
+              <a:rPr lang="en-GB" sz="2000" dirty="0" smtClean="0"/>
+              <a:t> according to data points available and business requirements</a:t>
+            </a:r>
+          </a:p>
+          <a:p>
+            <a:endParaRPr lang="en-GB" sz="2000" dirty="0" smtClean="0"/>
+          </a:p>
+          <a:p>
+            <a:r>
+              <a:rPr lang="en-GB" sz="2000" dirty="0" smtClean="0"/>
+              <a:t>Can be easily </a:t>
+            </a:r>
+            <a:r>
+              <a:rPr lang="en-GB" sz="2000" b="1" dirty="0" smtClean="0"/>
+              <a:t>hosted</a:t>
+            </a:r>
+            <a:r>
+              <a:rPr lang="en-GB" sz="2000" dirty="0" smtClean="0"/>
+              <a:t> on </a:t>
+            </a:r>
+            <a:r>
+              <a:rPr lang="en-GB" sz="2000" b="1" dirty="0" smtClean="0"/>
+              <a:t>cloud</a:t>
+            </a:r>
+            <a:r>
+              <a:rPr lang="en-GB" sz="2000" dirty="0" smtClean="0"/>
+              <a:t> platforms.</a:t>
+            </a:r>
           </a:p>
         </p:txBody>
       </p:sp>
     </p:spTree>
     <p:extLst>
       <p:ext uri="{BB962C8B-B14F-4D97-AF65-F5344CB8AC3E}">
-        <p14:creationId xmlns="" xmlns:p14="http://schemas.microsoft.com/office/powerpoint/2010/main" val="2373090507"/>
+        <p14:creationId xmlns:p14="http://schemas.microsoft.com/office/powerpoint/2010/main" xmlns="" val="2373090507"/>
       </p:ext>
     </p:extLst>
   </p:cSld>
@@ -6887,6 +6799,188 @@
         </p:nvSpPr>
         <p:spPr>
           <a:xfrm>
+            <a:off x="533400" y="286603"/>
+            <a:ext cx="10128504" cy="591221"/>
+          </a:xfrm>
+        </p:spPr>
+        <p:txBody>
+          <a:bodyPr>
+            <a:noAutofit/>
+          </a:bodyPr>
+          <a:lstStyle/>
+          <a:p>
+            <a:r>
+              <a:rPr lang="en-US" sz="3600" b="1" dirty="0" smtClean="0">
+                <a:solidFill>
+                  <a:schemeClr val="accent2">
+                    <a:lumMod val="50000"/>
+                  </a:schemeClr>
+                </a:solidFill>
+              </a:rPr>
+              <a:t>Technology Stack</a:t>
+            </a:r>
+            <a:endParaRPr lang="en-US" sz="3600" b="1" dirty="0">
+              <a:solidFill>
+                <a:schemeClr val="accent2">
+                  <a:lumMod val="50000"/>
+                </a:schemeClr>
+              </a:solidFill>
+            </a:endParaRPr>
+          </a:p>
+        </p:txBody>
+      </p:sp>
+      <p:sp>
+        <p:nvSpPr>
+          <p:cNvPr id="3" name="Content Placeholder 2"/>
+          <p:cNvSpPr>
+            <a:spLocks noGrp="1"/>
+          </p:cNvSpPr>
+          <p:nvPr>
+            <p:ph sz="quarter" idx="1"/>
+          </p:nvPr>
+        </p:nvSpPr>
+        <p:spPr>
+          <a:xfrm>
+            <a:off x="310896" y="1076325"/>
+            <a:ext cx="11603736" cy="5581650"/>
+          </a:xfrm>
+        </p:spPr>
+        <p:txBody>
+          <a:bodyPr>
+            <a:noAutofit/>
+          </a:bodyPr>
+          <a:lstStyle/>
+          <a:p>
+            <a:r>
+              <a:rPr lang="en-GB" sz="3000" dirty="0" smtClean="0"/>
+              <a:t>Python</a:t>
+            </a:r>
+          </a:p>
+          <a:p>
+            <a:endParaRPr lang="en-GB" sz="3000" dirty="0" smtClean="0"/>
+          </a:p>
+          <a:p>
+            <a:r>
+              <a:rPr lang="en-GB" sz="3000" dirty="0" smtClean="0"/>
+              <a:t>Dash </a:t>
+            </a:r>
+            <a:r>
+              <a:rPr lang="en-GB" dirty="0" smtClean="0"/>
+              <a:t>(Python library)</a:t>
+            </a:r>
+            <a:endParaRPr lang="en-GB" sz="3000" dirty="0" smtClean="0"/>
+          </a:p>
+          <a:p>
+            <a:endParaRPr lang="en-GB" sz="3000" dirty="0" smtClean="0"/>
+          </a:p>
+          <a:p>
+            <a:r>
+              <a:rPr lang="en-GB" sz="3000" dirty="0" err="1" smtClean="0"/>
+              <a:t>Plotly</a:t>
+            </a:r>
+            <a:r>
+              <a:rPr lang="en-GB" sz="3000" dirty="0" smtClean="0"/>
+              <a:t> </a:t>
+            </a:r>
+            <a:r>
+              <a:rPr lang="en-GB" dirty="0" smtClean="0"/>
+              <a:t>(dynamic visualisations)</a:t>
+            </a:r>
+          </a:p>
+          <a:p>
+            <a:endParaRPr lang="en-GB" sz="3000" dirty="0" smtClean="0"/>
+          </a:p>
+          <a:p>
+            <a:r>
+              <a:rPr lang="en-GB" sz="3000" dirty="0" smtClean="0"/>
+              <a:t>NLTK </a:t>
+            </a:r>
+            <a:r>
+              <a:rPr lang="en-GB" dirty="0" smtClean="0">
+                <a:solidFill>
+                  <a:prstClr val="black"/>
+                </a:solidFill>
+              </a:rPr>
+              <a:t>(Python library for NLP)</a:t>
+            </a:r>
+          </a:p>
+          <a:p>
+            <a:endParaRPr lang="en-GB" sz="3000" dirty="0" smtClean="0">
+              <a:solidFill>
+                <a:prstClr val="black"/>
+              </a:solidFill>
+            </a:endParaRPr>
+          </a:p>
+          <a:p>
+            <a:r>
+              <a:rPr lang="en-GB" sz="3000" dirty="0" smtClean="0">
+                <a:solidFill>
+                  <a:prstClr val="black"/>
+                </a:solidFill>
+              </a:rPr>
+              <a:t>Flask </a:t>
+            </a:r>
+            <a:r>
+              <a:rPr lang="en-GB" dirty="0" smtClean="0">
+                <a:solidFill>
+                  <a:prstClr val="black"/>
+                </a:solidFill>
+              </a:rPr>
+              <a:t>(web deployment)</a:t>
+            </a:r>
+            <a:endParaRPr lang="en-GB" sz="3000" dirty="0" smtClean="0"/>
+          </a:p>
+        </p:txBody>
+      </p:sp>
+    </p:spTree>
+    <p:extLst>
+      <p:ext uri="{BB962C8B-B14F-4D97-AF65-F5344CB8AC3E}">
+        <p14:creationId xmlns:p14="http://schemas.microsoft.com/office/powerpoint/2010/main" xmlns="" val="2373090507"/>
+      </p:ext>
+    </p:extLst>
+  </p:cSld>
+  <p:clrMapOvr>
+    <a:masterClrMapping/>
+  </p:clrMapOvr>
+  <p:timing>
+    <p:tnLst>
+      <p:par>
+        <p:cTn id="1" dur="indefinite" restart="never" nodeType="tmRoot"/>
+      </p:par>
+    </p:tnLst>
+  </p:timing>
+</p:sld>
+</file>
+
+<file path=ppt/slides/slide9.xml><?xml version="1.0" encoding="utf-8"?>
+<p:sld xmlns:a="http://schemas.openxmlformats.org/drawingml/2006/main" xmlns:r="http://schemas.openxmlformats.org/officeDocument/2006/relationships" xmlns:p="http://schemas.openxmlformats.org/presentationml/2006/main">
+  <p:cSld>
+    <p:spTree>
+      <p:nvGrpSpPr>
+        <p:cNvPr id="1" name=""/>
+        <p:cNvGrpSpPr/>
+        <p:nvPr/>
+      </p:nvGrpSpPr>
+      <p:grpSpPr>
+        <a:xfrm>
+          <a:off x="0" y="0"/>
+          <a:ext cx="0" cy="0"/>
+          <a:chOff x="0" y="0"/>
+          <a:chExt cx="0" cy="0"/>
+        </a:xfrm>
+      </p:grpSpPr>
+      <p:sp>
+        <p:nvSpPr>
+          <p:cNvPr id="2" name="Title 1"/>
+          <p:cNvSpPr>
+            <a:spLocks noGrp="1"/>
+          </p:cNvSpPr>
+          <p:nvPr>
+            <p:ph type="title"/>
+          </p:nvPr>
+        </p:nvSpPr>
+        <p:spPr>
+          <a:xfrm>
             <a:off x="325755" y="174209"/>
             <a:ext cx="9610725" cy="561121"/>
           </a:xfrm>
@@ -7068,7 +7162,7 @@
     </p:spTree>
     <p:extLst>
       <p:ext uri="{BB962C8B-B14F-4D97-AF65-F5344CB8AC3E}">
-        <p14:creationId xmlns="" xmlns:p14="http://schemas.microsoft.com/office/powerpoint/2010/main" val="1475648777"/>
+        <p14:creationId xmlns:p14="http://schemas.microsoft.com/office/powerpoint/2010/main" xmlns="" val="1475648777"/>
       </p:ext>
     </p:extLst>
   </p:cSld>
